--- a/example3/graphql.pptx
+++ b/example3/graphql.pptx
@@ -218,7 +218,7 @@
           <a:effectLst/>
           <a:extLst>
             <a:ext uri="{91240B29-F687-4f45-9708-019B960494DF}">
-              <a14:hiddenLine xmlns="" xmlns:a14="http://schemas.microsoft.com/office/drawing/2010/main" w="9525">
+              <a14:hiddenLine xmlns:a14="http://schemas.microsoft.com/office/drawing/2010/main" xmlns="" w="9525">
                 <a:solidFill>
                   <a:srgbClr val="000000"/>
                 </a:solidFill>
@@ -1728,7 +1728,7 @@
           <a:ln/>
           <a:extLst>
             <a:ext uri="{91240B29-F687-4f45-9708-019B960494DF}">
-              <a14:hiddenLine xmlns="" xmlns:a14="http://schemas.microsoft.com/office/drawing/2010/main" w="9525">
+              <a14:hiddenLine xmlns:a14="http://schemas.microsoft.com/office/drawing/2010/main" xmlns="" w="9525">
                 <a:solidFill>
                   <a:srgbClr val="000000"/>
                 </a:solidFill>
@@ -2000,7 +2000,7 @@
           <a:ln/>
           <a:extLst>
             <a:ext uri="{91240B29-F687-4f45-9708-019B960494DF}">
-              <a14:hiddenLine xmlns="" xmlns:a14="http://schemas.microsoft.com/office/drawing/2010/main" w="9525">
+              <a14:hiddenLine xmlns:a14="http://schemas.microsoft.com/office/drawing/2010/main" xmlns="" w="9525">
                 <a:solidFill>
                   <a:srgbClr val="000000"/>
                 </a:solidFill>
@@ -2280,7 +2280,7 @@
           <a:ln/>
           <a:extLst>
             <a:ext uri="{91240B29-F687-4f45-9708-019B960494DF}">
-              <a14:hiddenLine xmlns="" xmlns:a14="http://schemas.microsoft.com/office/drawing/2010/main" w="9525">
+              <a14:hiddenLine xmlns:a14="http://schemas.microsoft.com/office/drawing/2010/main" xmlns="" w="9525">
                 <a:solidFill>
                   <a:srgbClr val="000000"/>
                 </a:solidFill>
@@ -2900,7 +2900,7 @@
           <a:ln/>
           <a:extLst>
             <a:ext uri="{91240B29-F687-4f45-9708-019B960494DF}">
-              <a14:hiddenLine xmlns="" xmlns:a14="http://schemas.microsoft.com/office/drawing/2010/main" w="9525">
+              <a14:hiddenLine xmlns:a14="http://schemas.microsoft.com/office/drawing/2010/main" xmlns="" w="9525">
                 <a:solidFill>
                   <a:srgbClr val="000000"/>
                 </a:solidFill>
@@ -3236,7 +3236,7 @@
           <a:ln/>
           <a:extLst>
             <a:ext uri="{91240B29-F687-4f45-9708-019B960494DF}">
-              <a14:hiddenLine xmlns="" xmlns:a14="http://schemas.microsoft.com/office/drawing/2010/main" w="9525">
+              <a14:hiddenLine xmlns:a14="http://schemas.microsoft.com/office/drawing/2010/main" xmlns="" w="9525">
                 <a:solidFill>
                   <a:srgbClr val="000000"/>
                 </a:solidFill>
@@ -3710,7 +3710,7 @@
           <a:ln/>
           <a:extLst>
             <a:ext uri="{91240B29-F687-4f45-9708-019B960494DF}">
-              <a14:hiddenLine xmlns="" xmlns:a14="http://schemas.microsoft.com/office/drawing/2010/main" w="9525">
+              <a14:hiddenLine xmlns:a14="http://schemas.microsoft.com/office/drawing/2010/main" xmlns="" w="9525">
                 <a:solidFill>
                   <a:srgbClr val="000000"/>
                 </a:solidFill>
@@ -4133,7 +4133,7 @@
           <a:ln/>
           <a:extLst>
             <a:ext uri="{91240B29-F687-4f45-9708-019B960494DF}">
-              <a14:hiddenLine xmlns="" xmlns:a14="http://schemas.microsoft.com/office/drawing/2010/main" w="9525">
+              <a14:hiddenLine xmlns:a14="http://schemas.microsoft.com/office/drawing/2010/main" xmlns="" w="9525">
                 <a:solidFill>
                   <a:srgbClr val="000000"/>
                 </a:solidFill>
@@ -5477,6 +5477,44 @@
           </a:p>
         </p:txBody>
       </p:sp>
+      <p:sp>
+        <p:nvSpPr>
+          <p:cNvPr id="3" name="TextBox 2">
+            <a:extLst>
+              <a:ext uri="{FF2B5EF4-FFF2-40B4-BE49-F238E27FC236}">
+                <a16:creationId xmlns:a16="http://schemas.microsoft.com/office/drawing/2014/main" id="{B090F471-FC4E-3F4F-9628-D2262E9E47B1}"/>
+              </a:ext>
+            </a:extLst>
+          </p:cNvPr>
+          <p:cNvSpPr txBox="1"/>
+          <p:nvPr/>
+        </p:nvSpPr>
+        <p:spPr>
+          <a:xfrm>
+            <a:off x="810001" y="5545777"/>
+            <a:ext cx="8716488" cy="369332"/>
+          </a:xfrm>
+          <a:prstGeom prst="rect">
+            <a:avLst/>
+          </a:prstGeom>
+          <a:noFill/>
+        </p:spPr>
+        <p:txBody>
+          <a:bodyPr wrap="square" rtlCol="0">
+            <a:spAutoFit/>
+          </a:bodyPr>
+          <a:lstStyle/>
+          <a:p>
+            <a:r>
+              <a:rPr lang="en-US" dirty="0">
+                <a:hlinkClick r:id="rId2"/>
+              </a:rPr>
+              <a:t>https://github.com/QimingChen/spring_graphql/tree/master/example3</a:t>
+            </a:r>
+            <a:endParaRPr lang="en-US" dirty="0"/>
+          </a:p>
+        </p:txBody>
+      </p:sp>
     </p:spTree>
     <p:extLst>
       <p:ext uri="{BB962C8B-B14F-4D97-AF65-F5344CB8AC3E}">

--- a/example3/graphql.pptx
+++ b/example3/graphql.pptx
@@ -7,13 +7,13 @@
   <p:sldIdLst>
     <p:sldId id="256" r:id="rId2"/>
     <p:sldId id="257" r:id="rId3"/>
-    <p:sldId id="258" r:id="rId4"/>
-    <p:sldId id="259" r:id="rId5"/>
-    <p:sldId id="260" r:id="rId6"/>
+    <p:sldId id="259" r:id="rId4"/>
+    <p:sldId id="260" r:id="rId5"/>
+    <p:sldId id="262" r:id="rId6"/>
     <p:sldId id="261" r:id="rId7"/>
-    <p:sldId id="262" r:id="rId8"/>
-    <p:sldId id="265" r:id="rId9"/>
-    <p:sldId id="263" r:id="rId10"/>
+    <p:sldId id="265" r:id="rId8"/>
+    <p:sldId id="263" r:id="rId9"/>
+    <p:sldId id="258" r:id="rId10"/>
     <p:sldId id="266" r:id="rId11"/>
     <p:sldId id="267" r:id="rId12"/>
     <p:sldId id="264" r:id="rId13"/>
@@ -218,7 +218,7 @@
           <a:effectLst/>
           <a:extLst>
             <a:ext uri="{91240B29-F687-4f45-9708-019B960494DF}">
-              <a14:hiddenLine xmlns:a14="http://schemas.microsoft.com/office/drawing/2010/main" xmlns="" w="9525">
+              <a14:hiddenLine xmlns="" xmlns:a14="http://schemas.microsoft.com/office/drawing/2010/main" w="9525">
                 <a:solidFill>
                   <a:srgbClr val="000000"/>
                 </a:solidFill>
@@ -1728,7 +1728,7 @@
           <a:ln/>
           <a:extLst>
             <a:ext uri="{91240B29-F687-4f45-9708-019B960494DF}">
-              <a14:hiddenLine xmlns:a14="http://schemas.microsoft.com/office/drawing/2010/main" xmlns="" w="9525">
+              <a14:hiddenLine xmlns="" xmlns:a14="http://schemas.microsoft.com/office/drawing/2010/main" w="9525">
                 <a:solidFill>
                   <a:srgbClr val="000000"/>
                 </a:solidFill>
@@ -2000,7 +2000,7 @@
           <a:ln/>
           <a:extLst>
             <a:ext uri="{91240B29-F687-4f45-9708-019B960494DF}">
-              <a14:hiddenLine xmlns:a14="http://schemas.microsoft.com/office/drawing/2010/main" xmlns="" w="9525">
+              <a14:hiddenLine xmlns="" xmlns:a14="http://schemas.microsoft.com/office/drawing/2010/main" w="9525">
                 <a:solidFill>
                   <a:srgbClr val="000000"/>
                 </a:solidFill>
@@ -2280,7 +2280,7 @@
           <a:ln/>
           <a:extLst>
             <a:ext uri="{91240B29-F687-4f45-9708-019B960494DF}">
-              <a14:hiddenLine xmlns:a14="http://schemas.microsoft.com/office/drawing/2010/main" xmlns="" w="9525">
+              <a14:hiddenLine xmlns="" xmlns:a14="http://schemas.microsoft.com/office/drawing/2010/main" w="9525">
                 <a:solidFill>
                   <a:srgbClr val="000000"/>
                 </a:solidFill>
@@ -2900,7 +2900,7 @@
           <a:ln/>
           <a:extLst>
             <a:ext uri="{91240B29-F687-4f45-9708-019B960494DF}">
-              <a14:hiddenLine xmlns:a14="http://schemas.microsoft.com/office/drawing/2010/main" xmlns="" w="9525">
+              <a14:hiddenLine xmlns="" xmlns:a14="http://schemas.microsoft.com/office/drawing/2010/main" w="9525">
                 <a:solidFill>
                   <a:srgbClr val="000000"/>
                 </a:solidFill>
@@ -3236,7 +3236,7 @@
           <a:ln/>
           <a:extLst>
             <a:ext uri="{91240B29-F687-4f45-9708-019B960494DF}">
-              <a14:hiddenLine xmlns:a14="http://schemas.microsoft.com/office/drawing/2010/main" xmlns="" w="9525">
+              <a14:hiddenLine xmlns="" xmlns:a14="http://schemas.microsoft.com/office/drawing/2010/main" w="9525">
                 <a:solidFill>
                   <a:srgbClr val="000000"/>
                 </a:solidFill>
@@ -3710,7 +3710,7 @@
           <a:ln/>
           <a:extLst>
             <a:ext uri="{91240B29-F687-4f45-9708-019B960494DF}">
-              <a14:hiddenLine xmlns:a14="http://schemas.microsoft.com/office/drawing/2010/main" xmlns="" w="9525">
+              <a14:hiddenLine xmlns="" xmlns:a14="http://schemas.microsoft.com/office/drawing/2010/main" w="9525">
                 <a:solidFill>
                   <a:srgbClr val="000000"/>
                 </a:solidFill>
@@ -4133,7 +4133,7 @@
           <a:ln/>
           <a:extLst>
             <a:ext uri="{91240B29-F687-4f45-9708-019B960494DF}">
-              <a14:hiddenLine xmlns:a14="http://schemas.microsoft.com/office/drawing/2010/main" xmlns="" w="9525">
+              <a14:hiddenLine xmlns="" xmlns:a14="http://schemas.microsoft.com/office/drawing/2010/main" w="9525">
                 <a:solidFill>
                   <a:srgbClr val="000000"/>
                 </a:solidFill>
@@ -5404,7 +5404,7 @@
         </p:nvSpPr>
         <p:spPr>
           <a:xfrm>
-            <a:off x="6115793" y="1092530"/>
+            <a:off x="4678879" y="1128156"/>
             <a:ext cx="8490857" cy="3416320"/>
           </a:xfrm>
           <a:prstGeom prst="rect">
@@ -5427,6 +5427,46 @@
               <a:t>GraphQL</a:t>
             </a:r>
             <a:r>
+              <a:rPr lang="zh-CN" altLang="en-US" sz="2400" dirty="0"/>
+              <a:t> </a:t>
+            </a:r>
+            <a:r>
+              <a:rPr lang="en-US" altLang="zh-CN" sz="2400" dirty="0"/>
+              <a:t>and</a:t>
+            </a:r>
+            <a:r>
+              <a:rPr lang="zh-CN" altLang="en-US" sz="2400" dirty="0"/>
+              <a:t> </a:t>
+            </a:r>
+            <a:r>
+              <a:rPr lang="en-US" altLang="zh-CN" sz="2400" dirty="0"/>
+              <a:t>How</a:t>
+            </a:r>
+            <a:r>
+              <a:rPr lang="zh-CN" altLang="en-US" sz="2400" dirty="0"/>
+              <a:t> </a:t>
+            </a:r>
+            <a:r>
+              <a:rPr lang="en-US" altLang="zh-CN" sz="2400" dirty="0"/>
+              <a:t>to</a:t>
+            </a:r>
+            <a:r>
+              <a:rPr lang="zh-CN" altLang="en-US" sz="2400" dirty="0"/>
+              <a:t> </a:t>
+            </a:r>
+            <a:r>
+              <a:rPr lang="en-US" altLang="zh-CN" sz="2400" dirty="0"/>
+              <a:t>use</a:t>
+            </a:r>
+            <a:r>
+              <a:rPr lang="zh-CN" altLang="en-US" sz="2400" dirty="0"/>
+              <a:t> </a:t>
+            </a:r>
+            <a:r>
+              <a:rPr lang="en-US" altLang="zh-CN" sz="2400" dirty="0"/>
+              <a:t>it</a:t>
+            </a:r>
+            <a:r>
               <a:rPr lang="en-US" sz="2400" dirty="0"/>
               <a:t>?</a:t>
             </a:r>
@@ -5437,6 +5477,57 @@
           <a:p>
             <a:r>
               <a:rPr lang="en-US" sz="2400" dirty="0"/>
+              <a:t>Dependencies</a:t>
+            </a:r>
+          </a:p>
+          <a:p>
+            <a:endParaRPr lang="en-US" sz="2400" dirty="0"/>
+          </a:p>
+          <a:p>
+            <a:r>
+              <a:rPr lang="en-US" sz="2400" dirty="0"/>
+              <a:t>Implementation</a:t>
+            </a:r>
+          </a:p>
+          <a:p>
+            <a:endParaRPr lang="en-US" sz="2400" dirty="0"/>
+          </a:p>
+          <a:p>
+            <a:r>
+              <a:rPr lang="en-US" sz="2400" dirty="0"/>
+              <a:t>Testing</a:t>
+            </a:r>
+          </a:p>
+          <a:p>
+            <a:endParaRPr lang="en-US" sz="2400" dirty="0"/>
+          </a:p>
+          <a:p>
+            <a:r>
+              <a:rPr lang="en-US" altLang="zh-CN" sz="2400" dirty="0"/>
+              <a:t>Discussion:</a:t>
+            </a:r>
+            <a:r>
+              <a:rPr lang="zh-CN" altLang="en-US" sz="2400" dirty="0"/>
+              <a:t> </a:t>
+            </a:r>
+            <a:r>
+              <a:rPr lang="en-US" altLang="zh-CN" sz="2400" dirty="0"/>
+              <a:t>When</a:t>
+            </a:r>
+            <a:r>
+              <a:rPr lang="zh-CN" altLang="en-US" sz="2400" dirty="0"/>
+              <a:t> </a:t>
+            </a:r>
+            <a:r>
+              <a:rPr lang="en-US" altLang="zh-CN" sz="2400" dirty="0"/>
+              <a:t>and</a:t>
+            </a:r>
+            <a:r>
+              <a:rPr lang="zh-CN" altLang="en-US" sz="2400" dirty="0"/>
+              <a:t> </a:t>
+            </a:r>
+            <a:r>
+              <a:rPr lang="en-US" sz="2400" dirty="0"/>
               <a:t>Why use </a:t>
             </a:r>
             <a:r>
@@ -5446,33 +5537,6 @@
             <a:r>
               <a:rPr lang="en-US" sz="2400" dirty="0"/>
               <a:t>?</a:t>
-            </a:r>
-          </a:p>
-          <a:p>
-            <a:endParaRPr lang="en-US" sz="2400" dirty="0"/>
-          </a:p>
-          <a:p>
-            <a:r>
-              <a:rPr lang="en-US" sz="2400" dirty="0"/>
-              <a:t>Dependencies</a:t>
-            </a:r>
-          </a:p>
-          <a:p>
-            <a:endParaRPr lang="en-US" sz="2400" dirty="0"/>
-          </a:p>
-          <a:p>
-            <a:r>
-              <a:rPr lang="en-US" sz="2400" dirty="0"/>
-              <a:t>Implementation</a:t>
-            </a:r>
-          </a:p>
-          <a:p>
-            <a:endParaRPr lang="en-US" sz="2400" dirty="0"/>
-          </a:p>
-          <a:p>
-            <a:r>
-              <a:rPr lang="en-US" sz="2400" dirty="0"/>
-              <a:t>Testing</a:t>
             </a:r>
           </a:p>
         </p:txBody>
@@ -5567,6 +5631,14 @@
           <a:lstStyle/>
           <a:p>
             <a:r>
+              <a:rPr lang="en-US" altLang="zh-CN" dirty="0"/>
+              <a:t>Discussion:</a:t>
+            </a:r>
+            <a:r>
+              <a:rPr lang="zh-CN" altLang="en-US" dirty="0"/>
+              <a:t> </a:t>
+            </a:r>
+            <a:r>
               <a:rPr lang="en-US" dirty="0"/>
               <a:t>Drawbacks</a:t>
             </a:r>
@@ -5709,7 +5781,15 @@
           <a:p>
             <a:r>
               <a:rPr lang="en-US" altLang="zh-CN" dirty="0"/>
-              <a:t>Discussion</a:t>
+              <a:t>Discussion:</a:t>
+            </a:r>
+            <a:r>
+              <a:rPr lang="zh-CN" altLang="en-US" dirty="0"/>
+              <a:t> </a:t>
+            </a:r>
+            <a:r>
+              <a:rPr lang="en-US" altLang="zh-CN" dirty="0"/>
+              <a:t>summary</a:t>
             </a:r>
             <a:endParaRPr lang="en-US" dirty="0"/>
           </a:p>
@@ -5730,7 +5810,7 @@
         <p:spPr>
           <a:xfrm>
             <a:off x="1033152" y="2743200"/>
-            <a:ext cx="9488385" cy="2031325"/>
+            <a:ext cx="9488385" cy="2308324"/>
           </a:xfrm>
           <a:prstGeom prst="rect">
             <a:avLst/>
@@ -5748,7 +5828,7 @@
             </a:pPr>
             <a:r>
               <a:rPr lang="en-US" altLang="zh-CN" dirty="0"/>
-              <a:t>What</a:t>
+              <a:t>Why</a:t>
             </a:r>
             <a:r>
               <a:rPr lang="zh-CN" altLang="en-US" dirty="0"/>
@@ -5756,7 +5836,60 @@
             </a:r>
             <a:r>
               <a:rPr lang="en-US" altLang="zh-CN" dirty="0"/>
-              <a:t>is</a:t>
+              <a:t>it</a:t>
+            </a:r>
+            <a:r>
+              <a:rPr lang="zh-CN" altLang="en-US" dirty="0"/>
+              <a:t> </a:t>
+            </a:r>
+            <a:r>
+              <a:rPr lang="en-US" altLang="zh-CN" dirty="0"/>
+              <a:t>names</a:t>
+            </a:r>
+            <a:r>
+              <a:rPr lang="zh-CN" altLang="en-US" dirty="0"/>
+              <a:t> </a:t>
+            </a:r>
+            <a:r>
+              <a:rPr lang="en-US" altLang="zh-CN" dirty="0" err="1"/>
+              <a:t>GraphQL</a:t>
+            </a:r>
+            <a:r>
+              <a:rPr lang="en-US" altLang="zh-CN" dirty="0"/>
+              <a:t>?</a:t>
+            </a:r>
+          </a:p>
+          <a:p>
+            <a:pPr marL="342900" indent="-342900">
+              <a:buAutoNum type="arabicPeriod"/>
+            </a:pPr>
+            <a:r>
+              <a:rPr lang="en-US" altLang="zh-CN" dirty="0"/>
+              <a:t>What</a:t>
+            </a:r>
+            <a:r>
+              <a:rPr lang="zh-CN" altLang="en-US" dirty="0"/>
+              <a:t> </a:t>
+            </a:r>
+            <a:r>
+              <a:rPr lang="en-US" altLang="zh-CN" dirty="0"/>
+              <a:t>are</a:t>
+            </a:r>
+            <a:r>
+              <a:rPr lang="zh-CN" altLang="en-US" dirty="0"/>
+              <a:t> </a:t>
+            </a:r>
+            <a:r>
+              <a:rPr lang="en-US" altLang="zh-CN" dirty="0"/>
+              <a:t>some</a:t>
+            </a:r>
+            <a:r>
+              <a:rPr lang="zh-CN" altLang="en-US" dirty="0"/>
+              <a:t> </a:t>
+            </a:r>
+            <a:r>
+              <a:rPr lang="en-US" altLang="zh-CN" dirty="0"/>
+              <a:t>of</a:t>
             </a:r>
             <a:r>
               <a:rPr lang="zh-CN" altLang="en-US" dirty="0"/>
@@ -6073,7 +6206,7 @@
         </p:nvSpPr>
         <p:spPr>
           <a:xfrm>
-            <a:off x="2410691" y="2790701"/>
+            <a:off x="2363190" y="3051958"/>
             <a:ext cx="6840187" cy="923330"/>
           </a:xfrm>
           <a:prstGeom prst="rect">
@@ -6401,7 +6534,7 @@
           <p:cNvPr id="2" name="Title 1">
             <a:extLst>
               <a:ext uri="{FF2B5EF4-FFF2-40B4-BE49-F238E27FC236}">
-                <a16:creationId xmlns:a16="http://schemas.microsoft.com/office/drawing/2014/main" id="{53B43A3C-FC0D-544F-9F71-F1B47CFBDC56}"/>
+                <a16:creationId xmlns:a16="http://schemas.microsoft.com/office/drawing/2014/main" id="{53467904-3D8E-4640-9B05-475CF52F9D79}"/>
               </a:ext>
             </a:extLst>
           </p:cNvPr>
@@ -6419,15 +6552,7 @@
           <a:p>
             <a:r>
               <a:rPr lang="en-US" dirty="0"/>
-              <a:t>Why use </a:t>
-            </a:r>
-            <a:r>
-              <a:rPr lang="en-US" dirty="0" err="1"/>
-              <a:t>GraphQL</a:t>
-            </a:r>
-            <a:r>
-              <a:rPr lang="en-US" dirty="0"/>
-              <a:t>?</a:t>
+              <a:t>Dependencies</a:t>
             </a:r>
           </a:p>
         </p:txBody>
@@ -6437,7 +6562,7 @@
           <p:cNvPr id="3" name="Content Placeholder 2">
             <a:extLst>
               <a:ext uri="{FF2B5EF4-FFF2-40B4-BE49-F238E27FC236}">
-                <a16:creationId xmlns:a16="http://schemas.microsoft.com/office/drawing/2014/main" id="{A3B4AE0A-A6B3-0B45-8381-06821B121954}"/>
+                <a16:creationId xmlns:a16="http://schemas.microsoft.com/office/drawing/2014/main" id="{05B47B73-371E-A641-9B7E-563DAA140367}"/>
               </a:ext>
             </a:extLst>
           </p:cNvPr>
@@ -6448,7 +6573,12 @@
             <p:ph idx="1"/>
           </p:nvPr>
         </p:nvSpPr>
-        <p:spPr/>
+        <p:spPr>
+          <a:xfrm>
+            <a:off x="818712" y="2222287"/>
+            <a:ext cx="4715189" cy="3636511"/>
+          </a:xfrm>
+        </p:spPr>
         <p:txBody>
           <a:bodyPr>
             <a:normAutofit/>
@@ -6456,40 +6586,30 @@
           <a:lstStyle/>
           <a:p>
             <a:r>
-              <a:rPr lang="en-US" sz="2800" dirty="0"/>
-              <a:t>Good fit for complex systems and microservices</a:t>
+              <a:rPr lang="en-US" sz="2400" dirty="0"/>
+              <a:t>Implementation:</a:t>
             </a:r>
           </a:p>
           <a:p>
             <a:pPr lvl="1"/>
             <a:r>
-              <a:rPr lang="en-US" sz="2400" dirty="0" err="1"/>
-              <a:t>GraphQL</a:t>
-            </a:r>
-            <a:r>
-              <a:rPr lang="en-US" sz="2400" dirty="0"/>
-              <a:t> organizes the data for you (you define in code)</a:t>
-            </a:r>
-          </a:p>
-          <a:p>
-            <a:pPr lvl="2"/>
+              <a:rPr lang="en-US" sz="2000" dirty="0" err="1"/>
+              <a:t>graphql</a:t>
+            </a:r>
             <a:r>
               <a:rPr lang="en-US" sz="2000" dirty="0"/>
-              <a:t>Fetching data with a single API call</a:t>
-            </a:r>
-          </a:p>
-          <a:p>
-            <a:pPr lvl="2"/>
+              <a:t>-spring-boot-starter</a:t>
+            </a:r>
+          </a:p>
+          <a:p>
+            <a:pPr lvl="1"/>
+            <a:r>
+              <a:rPr lang="en-US" sz="2000" dirty="0" err="1"/>
+              <a:t>graphql</a:t>
+            </a:r>
             <a:r>
               <a:rPr lang="en-US" sz="2000" dirty="0"/>
-              <a:t>No over- and under-fetching problems</a:t>
-            </a:r>
-          </a:p>
-          <a:p>
-            <a:pPr lvl="2"/>
-            <a:r>
-              <a:rPr lang="en-US" sz="2000" dirty="0"/>
-              <a:t>Validation and type checking out-of-the-box</a:t>
+              <a:t>-java-tools</a:t>
             </a:r>
           </a:p>
         </p:txBody>
@@ -6499,7 +6619,7 @@
           <p:cNvPr id="4" name="TextBox 3">
             <a:extLst>
               <a:ext uri="{FF2B5EF4-FFF2-40B4-BE49-F238E27FC236}">
-                <a16:creationId xmlns:a16="http://schemas.microsoft.com/office/drawing/2014/main" id="{E1442BB0-65BD-D848-8FA7-34D5BE45FE2F}"/>
+                <a16:creationId xmlns:a16="http://schemas.microsoft.com/office/drawing/2014/main" id="{AF7D1CC6-262A-CB40-B22D-03BBBA189D52}"/>
               </a:ext>
             </a:extLst>
           </p:cNvPr>
@@ -6508,8 +6628,8 @@
         </p:nvSpPr>
         <p:spPr>
           <a:xfrm>
-            <a:off x="997526" y="5723906"/>
-            <a:ext cx="10569039" cy="338554"/>
+            <a:off x="5617028" y="3440377"/>
+            <a:ext cx="5764969" cy="1292662"/>
           </a:xfrm>
           <a:prstGeom prst="rect">
             <a:avLst/>
@@ -6522,20 +6642,52 @@
           </a:bodyPr>
           <a:lstStyle/>
           <a:p>
-            <a:r>
-              <a:rPr lang="en-US" sz="1600" dirty="0">
-                <a:hlinkClick r:id="rId2"/>
-              </a:rPr>
-              <a:t>https://www.altexsoft.com/blog/engineering/graphql-core-features-architecture-pros-and-cons/</a:t>
-            </a:r>
-            <a:endParaRPr lang="en-US" sz="1600" dirty="0"/>
+            <a:pPr marL="285750" indent="-285750">
+              <a:buFont typeface="Courier New" panose="02070309020205020404" pitchFamily="49" charset="0"/>
+              <a:buChar char="o"/>
+            </a:pPr>
+            <a:r>
+              <a:rPr lang="en-US" sz="2000" dirty="0"/>
+              <a:t>Testing:</a:t>
+            </a:r>
+          </a:p>
+          <a:p>
+            <a:pPr marL="742950" lvl="1" indent="-285750">
+              <a:buFont typeface="Courier New" panose="02070309020205020404" pitchFamily="49" charset="0"/>
+              <a:buChar char="o"/>
+            </a:pPr>
+            <a:r>
+              <a:rPr lang="en-US" sz="2000" dirty="0" err="1"/>
+              <a:t>graphiql</a:t>
+            </a:r>
+            <a:r>
+              <a:rPr lang="en-US" sz="2000" dirty="0"/>
+              <a:t>-spring-boot-starter (UI)</a:t>
+            </a:r>
+          </a:p>
+          <a:p>
+            <a:pPr marL="742950" lvl="1" indent="-285750">
+              <a:buFont typeface="Courier New" panose="02070309020205020404" pitchFamily="49" charset="0"/>
+              <a:buChar char="o"/>
+            </a:pPr>
+            <a:r>
+              <a:rPr lang="en-US" sz="2000" dirty="0" err="1"/>
+              <a:t>graphql</a:t>
+            </a:r>
+            <a:r>
+              <a:rPr lang="en-US" sz="2000" dirty="0"/>
+              <a:t>-spring-boot-starter-test</a:t>
+            </a:r>
+          </a:p>
+          <a:p>
+            <a:endParaRPr lang="en-US" dirty="0"/>
           </a:p>
         </p:txBody>
       </p:sp>
     </p:spTree>
     <p:extLst>
       <p:ext uri="{BB962C8B-B14F-4D97-AF65-F5344CB8AC3E}">
-        <p14:creationId xmlns:p14="http://schemas.microsoft.com/office/powerpoint/2010/main" val="3295627524"/>
+        <p14:creationId xmlns:p14="http://schemas.microsoft.com/office/powerpoint/2010/main" val="3627126035"/>
       </p:ext>
     </p:extLst>
   </p:cSld>
@@ -6567,7 +6719,7 @@
           <p:cNvPr id="2" name="Title 1">
             <a:extLst>
               <a:ext uri="{FF2B5EF4-FFF2-40B4-BE49-F238E27FC236}">
-                <a16:creationId xmlns:a16="http://schemas.microsoft.com/office/drawing/2014/main" id="{53467904-3D8E-4640-9B05-475CF52F9D79}"/>
+                <a16:creationId xmlns:a16="http://schemas.microsoft.com/office/drawing/2014/main" id="{18A546D7-780D-C44B-9D6F-3CAD8F7E35D5}"/>
               </a:ext>
             </a:extLst>
           </p:cNvPr>
@@ -6585,74 +6737,17 @@
           <a:p>
             <a:r>
               <a:rPr lang="en-US" dirty="0"/>
-              <a:t>Dependencies</a:t>
-            </a:r>
-          </a:p>
-        </p:txBody>
-      </p:sp>
-      <p:sp>
-        <p:nvSpPr>
-          <p:cNvPr id="3" name="Content Placeholder 2">
+              <a:t>Implementation</a:t>
+            </a:r>
+          </a:p>
+        </p:txBody>
+      </p:sp>
+      <p:sp>
+        <p:nvSpPr>
+          <p:cNvPr id="5" name="TextBox 4">
             <a:extLst>
               <a:ext uri="{FF2B5EF4-FFF2-40B4-BE49-F238E27FC236}">
-                <a16:creationId xmlns:a16="http://schemas.microsoft.com/office/drawing/2014/main" id="{05B47B73-371E-A641-9B7E-563DAA140367}"/>
-              </a:ext>
-            </a:extLst>
-          </p:cNvPr>
-          <p:cNvSpPr>
-            <a:spLocks noGrp="1"/>
-          </p:cNvSpPr>
-          <p:nvPr>
-            <p:ph idx="1"/>
-          </p:nvPr>
-        </p:nvSpPr>
-        <p:spPr>
-          <a:xfrm>
-            <a:off x="818712" y="2222287"/>
-            <a:ext cx="4715189" cy="3636511"/>
-          </a:xfrm>
-        </p:spPr>
-        <p:txBody>
-          <a:bodyPr>
-            <a:normAutofit/>
-          </a:bodyPr>
-          <a:lstStyle/>
-          <a:p>
-            <a:r>
-              <a:rPr lang="en-US" sz="2400" dirty="0"/>
-              <a:t>Implementation:</a:t>
-            </a:r>
-          </a:p>
-          <a:p>
-            <a:pPr lvl="1"/>
-            <a:r>
-              <a:rPr lang="en-US" sz="2000" dirty="0" err="1"/>
-              <a:t>graphql</a:t>
-            </a:r>
-            <a:r>
-              <a:rPr lang="en-US" sz="2000" dirty="0"/>
-              <a:t>-spring-boot-starter</a:t>
-            </a:r>
-          </a:p>
-          <a:p>
-            <a:pPr lvl="1"/>
-            <a:r>
-              <a:rPr lang="en-US" sz="2000" dirty="0" err="1"/>
-              <a:t>graphql</a:t>
-            </a:r>
-            <a:r>
-              <a:rPr lang="en-US" sz="2000" dirty="0"/>
-              <a:t>-java-tools</a:t>
-            </a:r>
-          </a:p>
-        </p:txBody>
-      </p:sp>
-      <p:sp>
-        <p:nvSpPr>
-          <p:cNvPr id="4" name="TextBox 3">
-            <a:extLst>
-              <a:ext uri="{FF2B5EF4-FFF2-40B4-BE49-F238E27FC236}">
-                <a16:creationId xmlns:a16="http://schemas.microsoft.com/office/drawing/2014/main" id="{AF7D1CC6-262A-CB40-B22D-03BBBA189D52}"/>
+                <a16:creationId xmlns:a16="http://schemas.microsoft.com/office/drawing/2014/main" id="{723B9E8A-C745-094C-A020-56649452A858}"/>
               </a:ext>
             </a:extLst>
           </p:cNvPr>
@@ -6661,8 +6756,8 @@
         </p:nvSpPr>
         <p:spPr>
           <a:xfrm>
-            <a:off x="5617028" y="3440377"/>
-            <a:ext cx="5764969" cy="1292662"/>
+            <a:off x="810000" y="2683823"/>
+            <a:ext cx="7899920" cy="3416320"/>
           </a:xfrm>
           <a:prstGeom prst="rect">
             <a:avLst/>
@@ -6670,47 +6765,145 @@
           <a:noFill/>
         </p:spPr>
         <p:txBody>
-          <a:bodyPr wrap="square" rtlCol="0">
+          <a:bodyPr wrap="none" rtlCol="0">
             <a:spAutoFit/>
           </a:bodyPr>
           <a:lstStyle/>
           <a:p>
-            <a:pPr marL="285750" indent="-285750">
-              <a:buFont typeface="Courier New" panose="02070309020205020404" pitchFamily="49" charset="0"/>
-              <a:buChar char="o"/>
-            </a:pPr>
-            <a:r>
-              <a:rPr lang="en-US" sz="2000" dirty="0"/>
-              <a:t>Testing:</a:t>
-            </a:r>
-          </a:p>
-          <a:p>
-            <a:pPr marL="742950" lvl="1" indent="-285750">
-              <a:buFont typeface="Courier New" panose="02070309020205020404" pitchFamily="49" charset="0"/>
-              <a:buChar char="o"/>
-            </a:pPr>
-            <a:r>
-              <a:rPr lang="en-US" sz="2000" dirty="0" err="1"/>
-              <a:t>graphiql</a:t>
-            </a:r>
-            <a:r>
-              <a:rPr lang="en-US" sz="2000" dirty="0"/>
-              <a:t>-spring-boot-starter (UI)</a:t>
-            </a:r>
-          </a:p>
-          <a:p>
-            <a:pPr marL="742950" lvl="1" indent="-285750">
-              <a:buFont typeface="Courier New" panose="02070309020205020404" pitchFamily="49" charset="0"/>
-              <a:buChar char="o"/>
-            </a:pPr>
-            <a:r>
-              <a:rPr lang="en-US" sz="2000" dirty="0" err="1"/>
-              <a:t>graphql</a:t>
-            </a:r>
-            <a:r>
-              <a:rPr lang="en-US" sz="2000" dirty="0"/>
-              <a:t>-spring-boot-starter-test</a:t>
-            </a:r>
+            <a:r>
+              <a:rPr lang="en-US" dirty="0"/>
+              <a:t>Schema: define types and signature for calls (resource folder)</a:t>
+            </a:r>
+          </a:p>
+          <a:p>
+            <a:endParaRPr lang="en-US" dirty="0"/>
+          </a:p>
+          <a:p>
+            <a:r>
+              <a:rPr lang="en-US" dirty="0"/>
+              <a:t>Implementation:</a:t>
+            </a:r>
+          </a:p>
+          <a:p>
+            <a:r>
+              <a:rPr lang="en-US" dirty="0"/>
+              <a:t>	Model layer : </a:t>
+            </a:r>
+            <a:r>
+              <a:rPr lang="en-US" altLang="zh-CN" dirty="0"/>
+              <a:t>POJO</a:t>
+            </a:r>
+            <a:r>
+              <a:rPr lang="zh-CN" altLang="en-US" dirty="0"/>
+              <a:t> </a:t>
+            </a:r>
+            <a:r>
+              <a:rPr lang="en-US" dirty="0"/>
+              <a:t>match</a:t>
+            </a:r>
+            <a:r>
+              <a:rPr lang="en-US" altLang="zh-CN" dirty="0"/>
+              <a:t>ing</a:t>
+            </a:r>
+            <a:r>
+              <a:rPr lang="en-US" dirty="0"/>
+              <a:t> with Schema (</a:t>
+            </a:r>
+            <a:r>
+              <a:rPr lang="en-US" dirty="0" err="1"/>
+              <a:t>NoArgs</a:t>
+            </a:r>
+            <a:r>
+              <a:rPr lang="en-US" dirty="0"/>
+              <a:t> + </a:t>
+            </a:r>
+            <a:r>
+              <a:rPr lang="en-US" dirty="0" err="1"/>
+              <a:t>AllArgs</a:t>
+            </a:r>
+            <a:r>
+              <a:rPr lang="en-US" dirty="0"/>
+              <a:t>)</a:t>
+            </a:r>
+          </a:p>
+          <a:p>
+            <a:endParaRPr lang="en-US" dirty="0"/>
+          </a:p>
+          <a:p>
+            <a:r>
+              <a:rPr lang="en-US" dirty="0"/>
+              <a:t>	Repository layer: connection with DB (</a:t>
+            </a:r>
+            <a:r>
+              <a:rPr lang="en-US" dirty="0" err="1"/>
+              <a:t>e.g</a:t>
+            </a:r>
+            <a:r>
+              <a:rPr lang="en-US" dirty="0"/>
+              <a:t> PostgreSQL, </a:t>
+            </a:r>
+            <a:r>
+              <a:rPr lang="en-US" dirty="0" err="1"/>
+              <a:t>mongoDB</a:t>
+            </a:r>
+            <a:r>
+              <a:rPr lang="en-US" dirty="0"/>
+              <a:t>)</a:t>
+            </a:r>
+          </a:p>
+          <a:p>
+            <a:endParaRPr lang="en-US" dirty="0"/>
+          </a:p>
+          <a:p>
+            <a:r>
+              <a:rPr lang="en-US" dirty="0"/>
+              <a:t>	Resolver layer (similar to </a:t>
+            </a:r>
+            <a:r>
+              <a:rPr lang="en-US" altLang="zh-CN" dirty="0"/>
+              <a:t>controller</a:t>
+            </a:r>
+            <a:r>
+              <a:rPr lang="zh-CN" altLang="en-US" dirty="0"/>
+              <a:t> </a:t>
+            </a:r>
+            <a:r>
+              <a:rPr lang="en-US" altLang="zh-CN" dirty="0"/>
+              <a:t>+</a:t>
+            </a:r>
+            <a:r>
+              <a:rPr lang="zh-CN" altLang="en-US" dirty="0"/>
+              <a:t> </a:t>
+            </a:r>
+            <a:r>
+              <a:rPr lang="en-US" dirty="0"/>
+              <a:t>service layer): </a:t>
+            </a:r>
+          </a:p>
+          <a:p>
+            <a:r>
+              <a:rPr lang="en-US" dirty="0"/>
+              <a:t>		Read: </a:t>
+            </a:r>
+            <a:r>
+              <a:rPr lang="en-US" dirty="0" err="1"/>
+              <a:t>QueryResolver</a:t>
+            </a:r>
+            <a:endParaRPr lang="en-US" dirty="0"/>
+          </a:p>
+          <a:p>
+            <a:r>
+              <a:rPr lang="en-US" dirty="0"/>
+              <a:t>		Write: </a:t>
+            </a:r>
+            <a:r>
+              <a:rPr lang="en-US" dirty="0" err="1"/>
+              <a:t>MutationResolver</a:t>
+            </a:r>
+            <a:endParaRPr lang="en-US" dirty="0"/>
+          </a:p>
+          <a:p>
+            <a:endParaRPr lang="en-US" dirty="0"/>
           </a:p>
           <a:p>
             <a:endParaRPr lang="en-US" dirty="0"/>
@@ -6720,7 +6913,7 @@
     </p:spTree>
     <p:extLst>
       <p:ext uri="{BB962C8B-B14F-4D97-AF65-F5344CB8AC3E}">
-        <p14:creationId xmlns:p14="http://schemas.microsoft.com/office/powerpoint/2010/main" val="3627126035"/>
+        <p14:creationId xmlns:p14="http://schemas.microsoft.com/office/powerpoint/2010/main" val="2667284516"/>
       </p:ext>
     </p:extLst>
   </p:cSld>
@@ -6752,7 +6945,7 @@
           <p:cNvPr id="2" name="Title 1">
             <a:extLst>
               <a:ext uri="{FF2B5EF4-FFF2-40B4-BE49-F238E27FC236}">
-                <a16:creationId xmlns:a16="http://schemas.microsoft.com/office/drawing/2014/main" id="{18A546D7-780D-C44B-9D6F-3CAD8F7E35D5}"/>
+                <a16:creationId xmlns:a16="http://schemas.microsoft.com/office/drawing/2014/main" id="{0DEE47C1-5D94-C14F-9DBE-E49B46AEFBCE}"/>
               </a:ext>
             </a:extLst>
           </p:cNvPr>
@@ -6770,143 +6963,111 @@
           <a:p>
             <a:r>
               <a:rPr lang="en-US" dirty="0"/>
-              <a:t>Implementation</a:t>
-            </a:r>
-          </a:p>
-        </p:txBody>
-      </p:sp>
-      <p:sp>
-        <p:nvSpPr>
-          <p:cNvPr id="5" name="TextBox 4">
+              <a:t>Demo Time</a:t>
+            </a:r>
+          </a:p>
+        </p:txBody>
+      </p:sp>
+      <p:sp>
+        <p:nvSpPr>
+          <p:cNvPr id="3" name="Content Placeholder 2">
             <a:extLst>
               <a:ext uri="{FF2B5EF4-FFF2-40B4-BE49-F238E27FC236}">
-                <a16:creationId xmlns:a16="http://schemas.microsoft.com/office/drawing/2014/main" id="{723B9E8A-C745-094C-A020-56649452A858}"/>
+                <a16:creationId xmlns:a16="http://schemas.microsoft.com/office/drawing/2014/main" id="{0A41377F-DFD8-9948-A1BE-80B49A5FB17A}"/>
               </a:ext>
             </a:extLst>
           </p:cNvPr>
-          <p:cNvSpPr txBox="1"/>
-          <p:nvPr/>
-        </p:nvSpPr>
-        <p:spPr>
-          <a:xfrm>
-            <a:off x="810000" y="2683823"/>
-            <a:ext cx="7899920" cy="3416320"/>
-          </a:xfrm>
-          <a:prstGeom prst="rect">
-            <a:avLst/>
-          </a:prstGeom>
-          <a:noFill/>
-        </p:spPr>
-        <p:txBody>
-          <a:bodyPr wrap="none" rtlCol="0">
-            <a:spAutoFit/>
-          </a:bodyPr>
-          <a:lstStyle/>
-          <a:p>
-            <a:r>
-              <a:rPr lang="en-US" dirty="0"/>
-              <a:t>Schema: define types and signature for calls (resource folder)</a:t>
-            </a:r>
-          </a:p>
-          <a:p>
-            <a:endParaRPr lang="en-US" dirty="0"/>
-          </a:p>
-          <a:p>
-            <a:r>
-              <a:rPr lang="en-US" dirty="0"/>
-              <a:t>Implementation:</a:t>
-            </a:r>
-          </a:p>
-          <a:p>
-            <a:r>
-              <a:rPr lang="en-US" dirty="0"/>
-              <a:t>	Model layer : match with Schema (</a:t>
-            </a:r>
+          <p:cNvSpPr>
+            <a:spLocks noGrp="1"/>
+          </p:cNvSpPr>
+          <p:nvPr>
+            <p:ph idx="1"/>
+          </p:nvPr>
+        </p:nvSpPr>
+        <p:spPr/>
+        <p:txBody>
+          <a:bodyPr/>
+          <a:lstStyle/>
+          <a:p>
+            <a:r>
+              <a:rPr lang="en-US" dirty="0">
+                <a:hlinkClick r:id="rId2"/>
+              </a:rPr>
+              <a:t>http://localhost:8080/</a:t>
+            </a:r>
+            <a:r>
+              <a:rPr lang="en-US" dirty="0" err="1">
+                <a:hlinkClick r:id="rId2"/>
+              </a:rPr>
+              <a:t>graphiql</a:t>
+            </a:r>
+            <a:endParaRPr lang="en-US" dirty="0"/>
+          </a:p>
+          <a:p>
+            <a:r>
+              <a:rPr lang="en-US" altLang="zh-CN" dirty="0"/>
+              <a:t>Code</a:t>
+            </a:r>
+            <a:r>
+              <a:rPr lang="zh-CN" altLang="en-US" dirty="0"/>
+              <a:t> </a:t>
+            </a:r>
+            <a:r>
+              <a:rPr lang="en-US" altLang="zh-CN" dirty="0"/>
+              <a:t>walkthrough</a:t>
+            </a:r>
+            <a:endParaRPr lang="en-US" dirty="0"/>
+          </a:p>
+          <a:p>
+            <a:pPr lvl="1"/>
+            <a:r>
+              <a:rPr lang="en-US" dirty="0"/>
+              <a:t>1. Query</a:t>
+            </a:r>
+          </a:p>
+          <a:p>
+            <a:pPr lvl="1"/>
+            <a:r>
+              <a:rPr lang="en-US" dirty="0"/>
+              <a:t>2. Mutation</a:t>
+            </a:r>
+          </a:p>
+          <a:p>
+            <a:r>
+              <a:rPr lang="en-US" altLang="zh-CN" dirty="0"/>
+              <a:t>Manual</a:t>
+            </a:r>
+            <a:r>
+              <a:rPr lang="zh-CN" altLang="en-US" dirty="0"/>
+              <a:t> </a:t>
+            </a:r>
+            <a:r>
+              <a:rPr lang="en-US" altLang="zh-CN" dirty="0"/>
+              <a:t>Testing</a:t>
+            </a:r>
+            <a:endParaRPr lang="en-US" dirty="0"/>
+          </a:p>
+          <a:p>
+            <a:pPr lvl="1"/>
             <a:r>
               <a:rPr lang="en-US" dirty="0" err="1"/>
-              <a:t>NoArgs</a:t>
-            </a:r>
-            <a:r>
-              <a:rPr lang="en-US" dirty="0"/>
-              <a:t> + </a:t>
-            </a:r>
-            <a:r>
-              <a:rPr lang="en-US" dirty="0" err="1"/>
-              <a:t>AllArgs</a:t>
-            </a:r>
-            <a:r>
-              <a:rPr lang="en-US" dirty="0"/>
-              <a:t>)</a:t>
-            </a:r>
-          </a:p>
-          <a:p>
-            <a:endParaRPr lang="en-US" dirty="0"/>
-          </a:p>
-          <a:p>
-            <a:r>
-              <a:rPr lang="en-US" dirty="0"/>
-              <a:t>	Repository layer: connection with DB (</a:t>
-            </a:r>
-            <a:r>
-              <a:rPr lang="en-US" dirty="0" err="1"/>
-              <a:t>e.g</a:t>
-            </a:r>
-            <a:r>
-              <a:rPr lang="en-US" dirty="0"/>
-              <a:t> PostgreSQL, </a:t>
-            </a:r>
-            <a:r>
-              <a:rPr lang="en-US" dirty="0" err="1"/>
-              <a:t>mongoDB</a:t>
-            </a:r>
-            <a:r>
-              <a:rPr lang="en-US" dirty="0"/>
-              <a:t>)</a:t>
-            </a:r>
-          </a:p>
-          <a:p>
-            <a:endParaRPr lang="en-US" dirty="0"/>
-          </a:p>
-          <a:p>
-            <a:r>
-              <a:rPr lang="en-US" dirty="0"/>
-              <a:t>	Resolver layer (similar to service layer): </a:t>
-            </a:r>
-          </a:p>
-          <a:p>
-            <a:r>
-              <a:rPr lang="en-US" dirty="0"/>
-              <a:t>		Read: </a:t>
-            </a:r>
-            <a:r>
-              <a:rPr lang="en-US" dirty="0" err="1"/>
-              <a:t>QueryResolver</a:t>
-            </a:r>
-            <a:endParaRPr lang="en-US" dirty="0"/>
-          </a:p>
-          <a:p>
-            <a:r>
-              <a:rPr lang="en-US" dirty="0"/>
-              <a:t>		Write: </a:t>
-            </a:r>
-            <a:r>
-              <a:rPr lang="en-US" dirty="0" err="1"/>
-              <a:t>MutationResolver</a:t>
-            </a:r>
-            <a:endParaRPr lang="en-US" dirty="0"/>
-          </a:p>
-          <a:p>
-            <a:endParaRPr lang="en-US" dirty="0"/>
-          </a:p>
-          <a:p>
-            <a:endParaRPr lang="en-US" dirty="0"/>
+              <a:t>GraphiQL</a:t>
+            </a:r>
+            <a:endParaRPr lang="en-US" dirty="0"/>
+          </a:p>
+          <a:p>
+            <a:pPr lvl="1"/>
+            <a:r>
+              <a:rPr lang="en-US" dirty="0"/>
+              <a:t>Postman</a:t>
+            </a:r>
           </a:p>
         </p:txBody>
       </p:sp>
     </p:spTree>
     <p:extLst>
       <p:ext uri="{BB962C8B-B14F-4D97-AF65-F5344CB8AC3E}">
-        <p14:creationId xmlns:p14="http://schemas.microsoft.com/office/powerpoint/2010/main" val="2667284516"/>
+        <p14:creationId xmlns:p14="http://schemas.microsoft.com/office/powerpoint/2010/main" val="2677935760"/>
       </p:ext>
     </p:extLst>
   </p:cSld>
@@ -7025,7 +7186,7 @@
           <p:cNvPr id="2" name="Title 1">
             <a:extLst>
               <a:ext uri="{FF2B5EF4-FFF2-40B4-BE49-F238E27FC236}">
-                <a16:creationId xmlns:a16="http://schemas.microsoft.com/office/drawing/2014/main" id="{0DEE47C1-5D94-C14F-9DBE-E49B46AEFBCE}"/>
+                <a16:creationId xmlns:a16="http://schemas.microsoft.com/office/drawing/2014/main" id="{4328AFE7-46BF-3942-A4F3-BC2D80B58FCA}"/>
               </a:ext>
             </a:extLst>
           </p:cNvPr>
@@ -7043,80 +7204,6 @@
           <a:p>
             <a:r>
               <a:rPr lang="en-US" dirty="0"/>
-              <a:t>Demo Time</a:t>
-            </a:r>
-          </a:p>
-        </p:txBody>
-      </p:sp>
-      <p:sp>
-        <p:nvSpPr>
-          <p:cNvPr id="3" name="Content Placeholder 2">
-            <a:extLst>
-              <a:ext uri="{FF2B5EF4-FFF2-40B4-BE49-F238E27FC236}">
-                <a16:creationId xmlns:a16="http://schemas.microsoft.com/office/drawing/2014/main" id="{0A41377F-DFD8-9948-A1BE-80B49A5FB17A}"/>
-              </a:ext>
-            </a:extLst>
-          </p:cNvPr>
-          <p:cNvSpPr>
-            <a:spLocks noGrp="1"/>
-          </p:cNvSpPr>
-          <p:nvPr>
-            <p:ph idx="1"/>
-          </p:nvPr>
-        </p:nvSpPr>
-        <p:spPr/>
-        <p:txBody>
-          <a:bodyPr/>
-          <a:lstStyle/>
-          <a:p>
-            <a:r>
-              <a:rPr lang="en-US" dirty="0">
-                <a:hlinkClick r:id="rId2"/>
-              </a:rPr>
-              <a:t>http://localhost:8080/</a:t>
-            </a:r>
-            <a:r>
-              <a:rPr lang="en-US" dirty="0" err="1">
-                <a:hlinkClick r:id="rId2"/>
-              </a:rPr>
-              <a:t>graphiql</a:t>
-            </a:r>
-            <a:endParaRPr lang="en-US" dirty="0"/>
-          </a:p>
-          <a:p>
-            <a:endParaRPr lang="en-US" dirty="0"/>
-          </a:p>
-          <a:p>
-            <a:r>
-              <a:rPr lang="en-US" dirty="0"/>
-              <a:t>1. Query</a:t>
-            </a:r>
-          </a:p>
-          <a:p>
-            <a:r>
-              <a:rPr lang="en-US" dirty="0"/>
-              <a:t>2. Mutation</a:t>
-            </a:r>
-          </a:p>
-          <a:p>
-            <a:endParaRPr lang="en-US" dirty="0"/>
-          </a:p>
-          <a:p>
-            <a:r>
-              <a:rPr lang="en-US" dirty="0" err="1"/>
-              <a:t>GraphiQL</a:t>
-            </a:r>
-            <a:endParaRPr lang="en-US" dirty="0"/>
-          </a:p>
-          <a:p>
-            <a:r>
-              <a:rPr lang="en-US" dirty="0"/>
-              <a:t>Postman</a:t>
-            </a:r>
-          </a:p>
-          <a:p>
-            <a:r>
-              <a:rPr lang="en-US" dirty="0"/>
               <a:t>JS</a:t>
             </a:r>
           </a:p>
@@ -7127,7 +7214,7 @@
           <p:cNvPr id="4" name="TextBox 3">
             <a:extLst>
               <a:ext uri="{FF2B5EF4-FFF2-40B4-BE49-F238E27FC236}">
-                <a16:creationId xmlns:a16="http://schemas.microsoft.com/office/drawing/2014/main" id="{021C271D-810F-F342-9930-9AD41A212038}"/>
+                <a16:creationId xmlns:a16="http://schemas.microsoft.com/office/drawing/2014/main" id="{8269AAB9-8648-3C42-B4A5-BBFBD5AF98CE}"/>
               </a:ext>
             </a:extLst>
           </p:cNvPr>
@@ -7136,7 +7223,7 @@
         </p:nvSpPr>
         <p:spPr>
           <a:xfrm>
-            <a:off x="6365174" y="2315688"/>
+            <a:off x="6365174" y="2553194"/>
             <a:ext cx="5201555" cy="3139321"/>
           </a:xfrm>
           <a:prstGeom prst="rect">
@@ -7263,10 +7350,139 @@
           </a:p>
         </p:txBody>
       </p:sp>
+      <p:sp>
+        <p:nvSpPr>
+          <p:cNvPr id="5" name="TextBox 4">
+            <a:extLst>
+              <a:ext uri="{FF2B5EF4-FFF2-40B4-BE49-F238E27FC236}">
+                <a16:creationId xmlns:a16="http://schemas.microsoft.com/office/drawing/2014/main" id="{27EC5D6C-70CC-484B-AD8C-F02371155F9A}"/>
+              </a:ext>
+            </a:extLst>
+          </p:cNvPr>
+          <p:cNvSpPr txBox="1"/>
+          <p:nvPr/>
+        </p:nvSpPr>
+        <p:spPr>
+          <a:xfrm>
+            <a:off x="1080655" y="3661189"/>
+            <a:ext cx="2921329" cy="923330"/>
+          </a:xfrm>
+          <a:prstGeom prst="rect">
+            <a:avLst/>
+          </a:prstGeom>
+          <a:noFill/>
+        </p:spPr>
+        <p:txBody>
+          <a:bodyPr wrap="square" rtlCol="0">
+            <a:spAutoFit/>
+          </a:bodyPr>
+          <a:lstStyle/>
+          <a:p>
+            <a:r>
+              <a:rPr lang="en-US" dirty="0"/>
+              <a:t>query{</a:t>
+            </a:r>
+          </a:p>
+          <a:p>
+            <a:r>
+              <a:rPr lang="en-US" dirty="0"/>
+              <a:t>  hello</a:t>
+            </a:r>
+          </a:p>
+          <a:p>
+            <a:r>
+              <a:rPr lang="en-US" dirty="0"/>
+              <a:t>}</a:t>
+            </a:r>
+          </a:p>
+        </p:txBody>
+      </p:sp>
+      <p:sp>
+        <p:nvSpPr>
+          <p:cNvPr id="6" name="TextBox 5">
+            <a:extLst>
+              <a:ext uri="{FF2B5EF4-FFF2-40B4-BE49-F238E27FC236}">
+                <a16:creationId xmlns:a16="http://schemas.microsoft.com/office/drawing/2014/main" id="{937BDABB-416A-854A-A76A-7CC8DB2A2990}"/>
+              </a:ext>
+            </a:extLst>
+          </p:cNvPr>
+          <p:cNvSpPr txBox="1"/>
+          <p:nvPr/>
+        </p:nvSpPr>
+        <p:spPr>
+          <a:xfrm>
+            <a:off x="810000" y="6056416"/>
+            <a:ext cx="7445828" cy="369332"/>
+          </a:xfrm>
+          <a:prstGeom prst="rect">
+            <a:avLst/>
+          </a:prstGeom>
+          <a:noFill/>
+        </p:spPr>
+        <p:txBody>
+          <a:bodyPr wrap="square" rtlCol="0">
+            <a:spAutoFit/>
+          </a:bodyPr>
+          <a:lstStyle/>
+          <a:p>
+            <a:r>
+              <a:rPr lang="en-US" dirty="0">
+                <a:hlinkClick r:id="rId2"/>
+              </a:rPr>
+              <a:t>https://graphql.org/graphql-js/graphql-clients/</a:t>
+            </a:r>
+            <a:endParaRPr lang="en-US" dirty="0"/>
+          </a:p>
+        </p:txBody>
+      </p:sp>
+      <p:sp>
+        <p:nvSpPr>
+          <p:cNvPr id="7" name="TextBox 6">
+            <a:extLst>
+              <a:ext uri="{FF2B5EF4-FFF2-40B4-BE49-F238E27FC236}">
+                <a16:creationId xmlns:a16="http://schemas.microsoft.com/office/drawing/2014/main" id="{C783A69F-CEDA-EE4A-A195-F0C83E31E54E}"/>
+              </a:ext>
+            </a:extLst>
+          </p:cNvPr>
+          <p:cNvSpPr txBox="1"/>
+          <p:nvPr/>
+        </p:nvSpPr>
+        <p:spPr>
+          <a:xfrm>
+            <a:off x="6403441" y="6056416"/>
+            <a:ext cx="5163288" cy="369332"/>
+          </a:xfrm>
+          <a:prstGeom prst="rect">
+            <a:avLst/>
+          </a:prstGeom>
+          <a:noFill/>
+        </p:spPr>
+        <p:txBody>
+          <a:bodyPr wrap="square" rtlCol="0">
+            <a:spAutoFit/>
+          </a:bodyPr>
+          <a:lstStyle/>
+          <a:p>
+            <a:r>
+              <a:rPr lang="en-US" altLang="zh-CN" dirty="0"/>
+              <a:t>Alternative:</a:t>
+            </a:r>
+            <a:r>
+              <a:rPr lang="zh-CN" altLang="en-US" dirty="0"/>
+              <a:t> </a:t>
+            </a:r>
+            <a:r>
+              <a:rPr lang="en-US" dirty="0" err="1"/>
+              <a:t>GraphQL.js</a:t>
+            </a:r>
+            <a:endParaRPr lang="en-US" dirty="0"/>
+          </a:p>
+        </p:txBody>
+      </p:sp>
     </p:spTree>
     <p:extLst>
       <p:ext uri="{BB962C8B-B14F-4D97-AF65-F5344CB8AC3E}">
-        <p14:creationId xmlns:p14="http://schemas.microsoft.com/office/powerpoint/2010/main" val="2677935760"/>
+        <p14:creationId xmlns:p14="http://schemas.microsoft.com/office/powerpoint/2010/main" val="2573875934"/>
       </p:ext>
     </p:extLst>
   </p:cSld>
@@ -7298,7 +7514,7 @@
           <p:cNvPr id="2" name="Title 1">
             <a:extLst>
               <a:ext uri="{FF2B5EF4-FFF2-40B4-BE49-F238E27FC236}">
-                <a16:creationId xmlns:a16="http://schemas.microsoft.com/office/drawing/2014/main" id="{4328AFE7-46BF-3942-A4F3-BC2D80B58FCA}"/>
+                <a16:creationId xmlns:a16="http://schemas.microsoft.com/office/drawing/2014/main" id="{90E306B7-8B46-5B44-8775-111C0D3C942C}"/>
               </a:ext>
             </a:extLst>
           </p:cNvPr>
@@ -7315,286 +7531,24 @@
           <a:lstStyle/>
           <a:p>
             <a:r>
-              <a:rPr lang="en-US" dirty="0"/>
-              <a:t>JS</a:t>
-            </a:r>
-          </a:p>
-        </p:txBody>
-      </p:sp>
-      <p:sp>
-        <p:nvSpPr>
-          <p:cNvPr id="4" name="TextBox 3">
-            <a:extLst>
-              <a:ext uri="{FF2B5EF4-FFF2-40B4-BE49-F238E27FC236}">
-                <a16:creationId xmlns:a16="http://schemas.microsoft.com/office/drawing/2014/main" id="{8269AAB9-8648-3C42-B4A5-BBFBD5AF98CE}"/>
-              </a:ext>
-            </a:extLst>
-          </p:cNvPr>
-          <p:cNvSpPr txBox="1"/>
-          <p:nvPr/>
-        </p:nvSpPr>
-        <p:spPr>
-          <a:xfrm>
-            <a:off x="6365174" y="2553194"/>
-            <a:ext cx="5201555" cy="3139321"/>
-          </a:xfrm>
-          <a:prstGeom prst="rect">
-            <a:avLst/>
-          </a:prstGeom>
-          <a:noFill/>
-        </p:spPr>
-        <p:txBody>
-          <a:bodyPr wrap="square" rtlCol="0">
-            <a:spAutoFit/>
-          </a:bodyPr>
-          <a:lstStyle/>
-          <a:p>
-            <a:r>
-              <a:rPr lang="en-US" dirty="0"/>
-              <a:t>fetch('/</a:t>
-            </a:r>
-            <a:r>
-              <a:rPr lang="en-US" dirty="0" err="1"/>
-              <a:t>graphql</a:t>
-            </a:r>
-            <a:r>
-              <a:rPr lang="en-US" dirty="0"/>
-              <a:t>’, </a:t>
-            </a:r>
-          </a:p>
-          <a:p>
-            <a:r>
-              <a:rPr lang="en-US" dirty="0"/>
-              <a:t>    { </a:t>
-            </a:r>
-          </a:p>
-          <a:p>
-            <a:r>
-              <a:rPr lang="en-US" dirty="0"/>
-              <a:t>      method: 'POST’, </a:t>
-            </a:r>
-          </a:p>
-          <a:p>
-            <a:r>
-              <a:rPr lang="en-US" dirty="0"/>
-              <a:t>      headers: { </a:t>
-            </a:r>
-          </a:p>
-          <a:p>
-            <a:r>
-              <a:rPr lang="en-US" dirty="0"/>
-              <a:t>        'Content-Type': 'application/</a:t>
-            </a:r>
-            <a:r>
-              <a:rPr lang="en-US" dirty="0" err="1"/>
-              <a:t>json</a:t>
-            </a:r>
-            <a:r>
-              <a:rPr lang="en-US" dirty="0"/>
-              <a:t>’,   </a:t>
-            </a:r>
-          </a:p>
-          <a:p>
-            <a:r>
-              <a:rPr lang="en-US" dirty="0"/>
-              <a:t>        'Accept': 'application/</a:t>
-            </a:r>
-            <a:r>
-              <a:rPr lang="en-US" dirty="0" err="1"/>
-              <a:t>json</a:t>
-            </a:r>
-            <a:r>
-              <a:rPr lang="en-US" dirty="0"/>
-              <a:t>’</a:t>
-            </a:r>
-          </a:p>
-          <a:p>
-            <a:r>
-              <a:rPr lang="en-US" dirty="0"/>
-              <a:t>      }, </a:t>
-            </a:r>
-          </a:p>
-          <a:p>
-            <a:r>
-              <a:rPr lang="en-US" dirty="0"/>
-              <a:t>     body: </a:t>
-            </a:r>
-            <a:r>
-              <a:rPr lang="en-US" dirty="0" err="1"/>
-              <a:t>JSON.stringify</a:t>
-            </a:r>
-            <a:r>
-              <a:rPr lang="en-US" dirty="0"/>
-              <a:t>(</a:t>
-            </a:r>
-          </a:p>
-          <a:p>
-            <a:r>
-              <a:rPr lang="en-US" dirty="0">
-                <a:solidFill>
-                  <a:srgbClr val="FF0000"/>
-                </a:solidFill>
-              </a:rPr>
-              <a:t>        {query: "{ hello }"}) }</a:t>
-            </a:r>
-          </a:p>
-          <a:p>
-            <a:r>
-              <a:rPr lang="en-US" dirty="0"/>
-              <a:t>     ) .then(r =&gt; </a:t>
-            </a:r>
-            <a:r>
-              <a:rPr lang="en-US" dirty="0" err="1"/>
-              <a:t>r.json</a:t>
-            </a:r>
-            <a:r>
-              <a:rPr lang="en-US" dirty="0"/>
-              <a:t>()) .then(data =&gt; </a:t>
-            </a:r>
-            <a:r>
-              <a:rPr lang="en-US" dirty="0" err="1"/>
-              <a:t>console.log</a:t>
-            </a:r>
-            <a:r>
-              <a:rPr lang="en-US" dirty="0"/>
-              <a:t>('data returned:', data));</a:t>
-            </a:r>
-          </a:p>
-        </p:txBody>
-      </p:sp>
-      <p:sp>
-        <p:nvSpPr>
-          <p:cNvPr id="5" name="TextBox 4">
-            <a:extLst>
-              <a:ext uri="{FF2B5EF4-FFF2-40B4-BE49-F238E27FC236}">
-                <a16:creationId xmlns:a16="http://schemas.microsoft.com/office/drawing/2014/main" id="{27EC5D6C-70CC-484B-AD8C-F02371155F9A}"/>
-              </a:ext>
-            </a:extLst>
-          </p:cNvPr>
-          <p:cNvSpPr txBox="1"/>
-          <p:nvPr/>
-        </p:nvSpPr>
-        <p:spPr>
-          <a:xfrm>
-            <a:off x="1080655" y="3661189"/>
-            <a:ext cx="2921329" cy="923330"/>
-          </a:xfrm>
-          <a:prstGeom prst="rect">
-            <a:avLst/>
-          </a:prstGeom>
-          <a:noFill/>
-        </p:spPr>
-        <p:txBody>
-          <a:bodyPr wrap="square" rtlCol="0">
-            <a:spAutoFit/>
-          </a:bodyPr>
-          <a:lstStyle/>
-          <a:p>
-            <a:r>
-              <a:rPr lang="en-US" dirty="0"/>
-              <a:t>query{</a:t>
-            </a:r>
-          </a:p>
-          <a:p>
-            <a:r>
-              <a:rPr lang="en-US" dirty="0"/>
-              <a:t>  hello</a:t>
-            </a:r>
-          </a:p>
-          <a:p>
-            <a:r>
-              <a:rPr lang="en-US" dirty="0"/>
-              <a:t>}</a:t>
-            </a:r>
-          </a:p>
-        </p:txBody>
-      </p:sp>
-      <p:sp>
-        <p:nvSpPr>
-          <p:cNvPr id="6" name="TextBox 5">
-            <a:extLst>
-              <a:ext uri="{FF2B5EF4-FFF2-40B4-BE49-F238E27FC236}">
-                <a16:creationId xmlns:a16="http://schemas.microsoft.com/office/drawing/2014/main" id="{937BDABB-416A-854A-A76A-7CC8DB2A2990}"/>
-              </a:ext>
-            </a:extLst>
-          </p:cNvPr>
-          <p:cNvSpPr txBox="1"/>
-          <p:nvPr/>
-        </p:nvSpPr>
-        <p:spPr>
-          <a:xfrm>
-            <a:off x="810000" y="6056416"/>
-            <a:ext cx="7445828" cy="369332"/>
-          </a:xfrm>
-          <a:prstGeom prst="rect">
-            <a:avLst/>
-          </a:prstGeom>
-          <a:noFill/>
-        </p:spPr>
-        <p:txBody>
-          <a:bodyPr wrap="square" rtlCol="0">
-            <a:spAutoFit/>
-          </a:bodyPr>
-          <a:lstStyle/>
-          <a:p>
-            <a:r>
-              <a:rPr lang="en-US" dirty="0">
-                <a:hlinkClick r:id="rId2"/>
-              </a:rPr>
-              <a:t>https://graphql.org/graphql-js/graphql-clients/</a:t>
-            </a:r>
-            <a:endParaRPr lang="en-US" dirty="0"/>
-          </a:p>
-        </p:txBody>
-      </p:sp>
-      <p:sp>
-        <p:nvSpPr>
-          <p:cNvPr id="7" name="TextBox 6">
-            <a:extLst>
-              <a:ext uri="{FF2B5EF4-FFF2-40B4-BE49-F238E27FC236}">
-                <a16:creationId xmlns:a16="http://schemas.microsoft.com/office/drawing/2014/main" id="{C783A69F-CEDA-EE4A-A195-F0C83E31E54E}"/>
-              </a:ext>
-            </a:extLst>
-          </p:cNvPr>
-          <p:cNvSpPr txBox="1"/>
-          <p:nvPr/>
-        </p:nvSpPr>
-        <p:spPr>
-          <a:xfrm>
-            <a:off x="6403441" y="6056416"/>
-            <a:ext cx="5163288" cy="369332"/>
-          </a:xfrm>
-          <a:prstGeom prst="rect">
-            <a:avLst/>
-          </a:prstGeom>
-          <a:noFill/>
-        </p:spPr>
-        <p:txBody>
-          <a:bodyPr wrap="square" rtlCol="0">
-            <a:spAutoFit/>
-          </a:bodyPr>
-          <a:lstStyle/>
-          <a:p>
-            <a:r>
               <a:rPr lang="en-US" altLang="zh-CN" dirty="0"/>
-              <a:t>Alternative:</a:t>
+              <a:t>Java</a:t>
             </a:r>
             <a:r>
               <a:rPr lang="zh-CN" altLang="en-US" dirty="0"/>
               <a:t> </a:t>
             </a:r>
             <a:r>
-              <a:rPr lang="en-US" dirty="0" err="1"/>
-              <a:t>GraphQL.js</a:t>
-            </a:r>
-            <a:endParaRPr lang="en-US" dirty="0"/>
+              <a:rPr lang="en-US" dirty="0"/>
+              <a:t>Testing</a:t>
+            </a:r>
           </a:p>
         </p:txBody>
       </p:sp>
     </p:spTree>
     <p:extLst>
       <p:ext uri="{BB962C8B-B14F-4D97-AF65-F5344CB8AC3E}">
-        <p14:creationId xmlns:p14="http://schemas.microsoft.com/office/powerpoint/2010/main" val="2573875934"/>
+        <p14:creationId xmlns:p14="http://schemas.microsoft.com/office/powerpoint/2010/main" val="1632596582"/>
       </p:ext>
     </p:extLst>
   </p:cSld>
@@ -7626,7 +7580,7 @@
           <p:cNvPr id="2" name="Title 1">
             <a:extLst>
               <a:ext uri="{FF2B5EF4-FFF2-40B4-BE49-F238E27FC236}">
-                <a16:creationId xmlns:a16="http://schemas.microsoft.com/office/drawing/2014/main" id="{90E306B7-8B46-5B44-8775-111C0D3C942C}"/>
+                <a16:creationId xmlns:a16="http://schemas.microsoft.com/office/drawing/2014/main" id="{53B43A3C-FC0D-544F-9F71-F1B47CFBDC56}"/>
               </a:ext>
             </a:extLst>
           </p:cNvPr>
@@ -7643,16 +7597,146 @@
           <a:lstStyle/>
           <a:p>
             <a:r>
-              <a:rPr lang="en-US" dirty="0"/>
-              <a:t>Testing</a:t>
-            </a:r>
+              <a:rPr lang="en-US" altLang="zh-CN" dirty="0"/>
+              <a:t>Discussion:</a:t>
+            </a:r>
+            <a:r>
+              <a:rPr lang="zh-CN" altLang="en-US" dirty="0"/>
+              <a:t> </a:t>
+            </a:r>
+            <a:r>
+              <a:rPr lang="en-US" dirty="0"/>
+              <a:t>Why use </a:t>
+            </a:r>
+            <a:r>
+              <a:rPr lang="en-US" dirty="0" err="1"/>
+              <a:t>GraphQL</a:t>
+            </a:r>
+            <a:r>
+              <a:rPr lang="en-US" dirty="0"/>
+              <a:t>?</a:t>
+            </a:r>
+          </a:p>
+        </p:txBody>
+      </p:sp>
+      <p:sp>
+        <p:nvSpPr>
+          <p:cNvPr id="3" name="Content Placeholder 2">
+            <a:extLst>
+              <a:ext uri="{FF2B5EF4-FFF2-40B4-BE49-F238E27FC236}">
+                <a16:creationId xmlns:a16="http://schemas.microsoft.com/office/drawing/2014/main" id="{A3B4AE0A-A6B3-0B45-8381-06821B121954}"/>
+              </a:ext>
+            </a:extLst>
+          </p:cNvPr>
+          <p:cNvSpPr>
+            <a:spLocks noGrp="1"/>
+          </p:cNvSpPr>
+          <p:nvPr>
+            <p:ph idx="1"/>
+          </p:nvPr>
+        </p:nvSpPr>
+        <p:spPr>
+          <a:xfrm>
+            <a:off x="467889" y="2256672"/>
+            <a:ext cx="10914109" cy="3636511"/>
+          </a:xfrm>
+        </p:spPr>
+        <p:txBody>
+          <a:bodyPr>
+            <a:normAutofit/>
+          </a:bodyPr>
+          <a:lstStyle/>
+          <a:p>
+            <a:r>
+              <a:rPr lang="en-US" sz="2800" dirty="0"/>
+              <a:t>Good fit for complex systems and microservices</a:t>
+            </a:r>
+          </a:p>
+          <a:p>
+            <a:pPr lvl="1"/>
+            <a:r>
+              <a:rPr lang="en-US" sz="2400" dirty="0" err="1"/>
+              <a:t>GraphQL</a:t>
+            </a:r>
+            <a:r>
+              <a:rPr lang="en-US" sz="2400" dirty="0"/>
+              <a:t> organizes the data for you (you define in code)</a:t>
+            </a:r>
+          </a:p>
+          <a:p>
+            <a:pPr lvl="2"/>
+            <a:r>
+              <a:rPr lang="en-US" sz="2000" dirty="0"/>
+              <a:t>Fetching data with a single API call</a:t>
+            </a:r>
+            <a:r>
+              <a:rPr lang="zh-CN" altLang="en-US" sz="2000" dirty="0"/>
+              <a:t> </a:t>
+            </a:r>
+            <a:r>
+              <a:rPr lang="en-US" altLang="zh-CN" sz="2000" dirty="0"/>
+              <a:t>-</a:t>
+            </a:r>
+            <a:r>
+              <a:rPr lang="zh-CN" altLang="en-US" sz="2000" dirty="0"/>
+              <a:t> </a:t>
+            </a:r>
+            <a:r>
+              <a:rPr lang="en-US" sz="2000" dirty="0"/>
+              <a:t>No over- and under-fetching problems</a:t>
+            </a:r>
+          </a:p>
+          <a:p>
+            <a:pPr lvl="2"/>
+            <a:r>
+              <a:rPr lang="en-US" sz="2000" dirty="0"/>
+              <a:t>Validation and type checking out-of-the-box</a:t>
+            </a:r>
+          </a:p>
+        </p:txBody>
+      </p:sp>
+      <p:sp>
+        <p:nvSpPr>
+          <p:cNvPr id="4" name="TextBox 3">
+            <a:extLst>
+              <a:ext uri="{FF2B5EF4-FFF2-40B4-BE49-F238E27FC236}">
+                <a16:creationId xmlns:a16="http://schemas.microsoft.com/office/drawing/2014/main" id="{E1442BB0-65BD-D848-8FA7-34D5BE45FE2F}"/>
+              </a:ext>
+            </a:extLst>
+          </p:cNvPr>
+          <p:cNvSpPr txBox="1"/>
+          <p:nvPr/>
+        </p:nvSpPr>
+        <p:spPr>
+          <a:xfrm>
+            <a:off x="997526" y="5723906"/>
+            <a:ext cx="10569039" cy="338554"/>
+          </a:xfrm>
+          <a:prstGeom prst="rect">
+            <a:avLst/>
+          </a:prstGeom>
+          <a:noFill/>
+        </p:spPr>
+        <p:txBody>
+          <a:bodyPr wrap="square" rtlCol="0">
+            <a:spAutoFit/>
+          </a:bodyPr>
+          <a:lstStyle/>
+          <a:p>
+            <a:r>
+              <a:rPr lang="en-US" sz="1600" dirty="0">
+                <a:hlinkClick r:id="rId2"/>
+              </a:rPr>
+              <a:t>https://www.altexsoft.com/blog/engineering/graphql-core-features-architecture-pros-and-cons/</a:t>
+            </a:r>
+            <a:endParaRPr lang="en-US" sz="1600" dirty="0"/>
           </a:p>
         </p:txBody>
       </p:sp>
     </p:spTree>
     <p:extLst>
       <p:ext uri="{BB962C8B-B14F-4D97-AF65-F5344CB8AC3E}">
-        <p14:creationId xmlns:p14="http://schemas.microsoft.com/office/powerpoint/2010/main" val="1632596582"/>
+        <p14:creationId xmlns:p14="http://schemas.microsoft.com/office/powerpoint/2010/main" val="3295627524"/>
       </p:ext>
     </p:extLst>
   </p:cSld>
